--- a/Traffic management phase 4.pptx
+++ b/Traffic management phase 4.pptx
@@ -5,18 +5,19 @@
     <p:sldMasterId id="2147483696" r:id="rId1"/>
   </p:sldMasterIdLst>
   <p:notesMasterIdLst>
-    <p:notesMasterId r:id="rId11"/>
+    <p:notesMasterId r:id="rId12"/>
   </p:notesMasterIdLst>
   <p:sldIdLst>
     <p:sldId id="258" r:id="rId2"/>
     <p:sldId id="271" r:id="rId3"/>
     <p:sldId id="275" r:id="rId4"/>
     <p:sldId id="267" r:id="rId5"/>
-    <p:sldId id="270" r:id="rId6"/>
-    <p:sldId id="276" r:id="rId7"/>
-    <p:sldId id="277" r:id="rId8"/>
-    <p:sldId id="264" r:id="rId9"/>
-    <p:sldId id="272" r:id="rId10"/>
+    <p:sldId id="278" r:id="rId6"/>
+    <p:sldId id="279" r:id="rId7"/>
+    <p:sldId id="280" r:id="rId8"/>
+    <p:sldId id="277" r:id="rId9"/>
+    <p:sldId id="264" r:id="rId10"/>
+    <p:sldId id="272" r:id="rId11"/>
   </p:sldIdLst>
   <p:sldSz cx="12192000" cy="6858000"/>
   <p:notesSz cx="6858000" cy="9144000"/>
@@ -124,8 +125,9 @@
             <p14:sldId id="271"/>
             <p14:sldId id="275"/>
             <p14:sldId id="267"/>
-            <p14:sldId id="270"/>
-            <p14:sldId id="276"/>
+            <p14:sldId id="278"/>
+            <p14:sldId id="279"/>
+            <p14:sldId id="280"/>
             <p14:sldId id="277"/>
             <p14:sldId id="264"/>
             <p14:sldId id="272"/>
@@ -4056,6 +4058,72 @@
 </p:sld>
 </file>
 
+<file path=ppt/slides/slide10.xml><?xml version="1.0" encoding="utf-8"?>
+<p:sld xmlns:a="http://schemas.openxmlformats.org/drawingml/2006/main" xmlns:r="http://schemas.openxmlformats.org/officeDocument/2006/relationships" xmlns:p="http://schemas.openxmlformats.org/presentationml/2006/main">
+  <p:cSld>
+    <p:spTree>
+      <p:nvGrpSpPr>
+        <p:cNvPr id="1" name=""/>
+        <p:cNvGrpSpPr/>
+        <p:nvPr/>
+      </p:nvGrpSpPr>
+      <p:grpSpPr>
+        <a:xfrm>
+          <a:off x="0" y="0"/>
+          <a:ext cx="0" cy="0"/>
+          <a:chOff x="0" y="0"/>
+          <a:chExt cx="0" cy="0"/>
+        </a:xfrm>
+      </p:grpSpPr>
+      <p:sp>
+        <p:nvSpPr>
+          <p:cNvPr id="3" name="Content Placeholder 2"/>
+          <p:cNvSpPr>
+            <a:spLocks noGrp="1"/>
+          </p:cNvSpPr>
+          <p:nvPr>
+            <p:ph idx="1"/>
+          </p:nvPr>
+        </p:nvSpPr>
+        <p:spPr>
+          <a:xfrm>
+            <a:off x="3711039" y="2770910"/>
+            <a:ext cx="7642759" cy="3406052"/>
+          </a:xfrm>
+        </p:spPr>
+        <p:txBody>
+          <a:bodyPr>
+            <a:normAutofit/>
+          </a:bodyPr>
+          <a:lstStyle/>
+          <a:p>
+            <a:pPr>
+              <a:buNone/>
+            </a:pPr>
+            <a:r>
+              <a:rPr lang="en-US" sz="5400" b="1">
+                <a:latin typeface="ADLaM Display" panose="02010000000000000000" pitchFamily="2" charset="0"/>
+                <a:ea typeface="ADLaM Display" panose="02010000000000000000" pitchFamily="2" charset="0"/>
+                <a:cs typeface="ADLaM Display" panose="02010000000000000000" pitchFamily="2" charset="0"/>
+              </a:rPr>
+              <a:t>THANK YOU!</a:t>
+            </a:r>
+            <a:endParaRPr lang="en-US" sz="5400" b="1" dirty="0">
+              <a:latin typeface="ADLaM Display" panose="02010000000000000000" pitchFamily="2" charset="0"/>
+              <a:ea typeface="ADLaM Display" panose="02010000000000000000" pitchFamily="2" charset="0"/>
+              <a:cs typeface="ADLaM Display" panose="02010000000000000000" pitchFamily="2" charset="0"/>
+            </a:endParaRPr>
+          </a:p>
+        </p:txBody>
+      </p:sp>
+    </p:spTree>
+  </p:cSld>
+  <p:clrMapOvr>
+    <a:masterClrMapping/>
+  </p:clrMapOvr>
+</p:sld>
+</file>
+
 <file path=ppt/slides/slide2.xml><?xml version="1.0" encoding="utf-8"?>
 <p:sld xmlns:a="http://schemas.openxmlformats.org/drawingml/2006/main" xmlns:r="http://schemas.openxmlformats.org/officeDocument/2006/relationships" xmlns:p="http://schemas.openxmlformats.org/presentationml/2006/main">
   <p:cSld>
@@ -4083,7 +4151,12 @@
             <p:ph type="title"/>
           </p:nvPr>
         </p:nvSpPr>
-        <p:spPr/>
+        <p:spPr>
+          <a:xfrm>
+            <a:off x="1945256" y="365125"/>
+            <a:ext cx="9408544" cy="1857525"/>
+          </a:xfrm>
+        </p:spPr>
         <p:txBody>
           <a:bodyPr>
             <a:normAutofit/>
@@ -4115,7 +4188,7 @@
         </p:spPr>
         <p:txBody>
           <a:bodyPr vert="horz" lIns="91440" tIns="45720" rIns="91440" bIns="45720" rtlCol="0" anchor="t">
-            <a:normAutofit/>
+            <a:normAutofit lnSpcReduction="10000"/>
           </a:bodyPr>
           <a:lstStyle/>
           <a:p>
@@ -4127,35 +4200,28 @@
                 <a:ea typeface="Calibri"/>
                 <a:cs typeface="Calibri"/>
               </a:rPr>
-              <a:t>                              Project Requirement</a:t>
-            </a:r>
+              <a:t>                              Project </a:t>
+            </a:r>
+            <a:endParaRPr lang="en-US" sz="4000" b="1">
+              <a:ea typeface="Calibri"/>
+              <a:cs typeface="Calibri"/>
+            </a:endParaRPr>
           </a:p>
           <a:p>
             <a:pPr marL="0" indent="0">
               <a:buNone/>
             </a:pPr>
             <a:r>
-              <a:rPr lang="en-US" sz="2000" b="1" dirty="0">
-                <a:solidFill>
-                  <a:schemeClr val="tx1">
-                    <a:lumMod val="95000"/>
-                    <a:lumOff val="5000"/>
-                  </a:schemeClr>
-                </a:solidFill>
-                <a:latin typeface="Bahnschrift SemiBold"/>
+              <a:rPr lang="en-US" sz="3600" dirty="0">
+                <a:latin typeface="Arial"/>
                 <a:ea typeface="+mn-lt"/>
                 <a:cs typeface="+mn-lt"/>
               </a:rPr>
-              <a:t>Sensors and Devices:</a:t>
-            </a:r>
-            <a:endParaRPr lang="en-US" sz="2000" dirty="0">
-              <a:solidFill>
-                <a:schemeClr val="tx1">
-                  <a:lumMod val="95000"/>
-                  <a:lumOff val="5000"/>
-                </a:schemeClr>
-              </a:solidFill>
-              <a:latin typeface="Bahnschrift SemiBold"/>
+              <a:t>Traffic management refers to the practice of controlling and regulating the movement of vehicles and pedestrians on roadways and transportation networks to ensure safety, efficiency, and order. It involves a combination of policies, strategies, and technologies aimed at optimizing the flow of traffic, reducing congestion, and minimizing the risks of accidents and delays. Effective traffic management is crucial in urban areas and along major transportation corridors, where the volume of vehicles and pedestrians can be high and diverse.</a:t>
+            </a:r>
+            <a:endParaRPr lang="en-US" sz="3600">
+              <a:latin typeface="Arial"/>
+              <a:cs typeface="Angsana New"/>
             </a:endParaRPr>
           </a:p>
           <a:p>
@@ -4163,230 +4229,31 @@
               <a:buFont typeface="Arial"/>
               <a:buChar char="•"/>
             </a:pPr>
-            <a:r>
-              <a:rPr lang="en-US" sz="2000" dirty="0">
-                <a:solidFill>
-                  <a:srgbClr val="374151"/>
-                </a:solidFill>
-                <a:latin typeface="Arial"/>
-                <a:ea typeface="+mn-lt"/>
-                <a:cs typeface="+mn-lt"/>
-              </a:rPr>
-              <a:t>Traffic cameras: High-resolution cameras for monitoring traffic conditions.</a:t>
-            </a:r>
-            <a:endParaRPr lang="en-US" sz="2000">
-              <a:latin typeface="Arial"/>
-              <a:cs typeface="Arial"/>
+            <a:endParaRPr lang="en-US" sz="3600" b="1" dirty="0">
+              <a:solidFill>
+                <a:srgbClr val="374151"/>
+              </a:solidFill>
+              <a:latin typeface="Angsana New"/>
+              <a:cs typeface="Calibri"/>
             </a:endParaRPr>
           </a:p>
           <a:p>
-            <a:pPr>
-              <a:buFont typeface="Arial"/>
-              <a:buChar char="•"/>
+            <a:pPr marL="0" indent="0">
+              <a:buNone/>
             </a:pPr>
-            <a:r>
-              <a:rPr lang="en-US" sz="2000" dirty="0">
-                <a:solidFill>
-                  <a:srgbClr val="374151"/>
-                </a:solidFill>
-                <a:latin typeface="Arial"/>
-                <a:ea typeface="+mn-lt"/>
-                <a:cs typeface="+mn-lt"/>
-              </a:rPr>
-              <a:t>Vehicle detection sensors: Inductive loop sensors, ultrasonic sensors, or radar sensors to detect the presence of vehicles.</a:t>
-            </a:r>
-            <a:endParaRPr lang="en-US" sz="2000">
-              <a:latin typeface="Arial"/>
-              <a:cs typeface="Arial"/>
+            <a:endParaRPr lang="en-US" sz="2000" b="1" dirty="0">
+              <a:solidFill>
+                <a:srgbClr val="374151"/>
+              </a:solidFill>
+              <a:latin typeface="Angsana New"/>
+              <a:cs typeface="Calibri"/>
             </a:endParaRPr>
           </a:p>
           <a:p>
-            <a:pPr>
+            <a:pPr marL="0" indent="0">
               <a:buNone/>
             </a:pPr>
-            <a:r>
-              <a:rPr lang="en-US" sz="2000" b="1" dirty="0">
-                <a:solidFill>
-                  <a:schemeClr val="tx1">
-                    <a:lumMod val="95000"/>
-                    <a:lumOff val="5000"/>
-                  </a:schemeClr>
-                </a:solidFill>
-                <a:latin typeface="Bahnschrift SemiBold"/>
-                <a:ea typeface="+mn-lt"/>
-                <a:cs typeface="+mn-lt"/>
-              </a:rPr>
-              <a:t>Communication Infrastructure:</a:t>
-            </a:r>
-            <a:endParaRPr lang="en-US" sz="2000" dirty="0">
-              <a:solidFill>
-                <a:schemeClr val="tx1">
-                  <a:lumMod val="95000"/>
-                  <a:lumOff val="5000"/>
-                </a:schemeClr>
-              </a:solidFill>
-              <a:latin typeface="Bahnschrift SemiBold"/>
-            </a:endParaRPr>
-          </a:p>
-          <a:p>
-            <a:pPr>
-              <a:buFont typeface="Arial"/>
-              <a:buChar char="•"/>
-            </a:pPr>
-            <a:r>
-              <a:rPr lang="en-US" sz="2000" dirty="0">
-                <a:solidFill>
-                  <a:srgbClr val="374151"/>
-                </a:solidFill>
-                <a:latin typeface="Arial"/>
-                <a:ea typeface="+mn-lt"/>
-                <a:cs typeface="+mn-lt"/>
-              </a:rPr>
-              <a:t>High-speed internet connectivity for data transmission.</a:t>
-            </a:r>
-            <a:endParaRPr lang="en-US" sz="2000">
-              <a:latin typeface="Arial"/>
-              <a:cs typeface="Arial"/>
-            </a:endParaRPr>
-          </a:p>
-          <a:p>
-            <a:pPr>
-              <a:buFont typeface="Arial"/>
-              <a:buChar char="•"/>
-            </a:pPr>
-            <a:r>
-              <a:rPr lang="en-US" sz="2000" dirty="0">
-                <a:solidFill>
-                  <a:srgbClr val="374151"/>
-                </a:solidFill>
-                <a:latin typeface="Arial"/>
-                <a:ea typeface="+mn-lt"/>
-                <a:cs typeface="+mn-lt"/>
-              </a:rPr>
-              <a:t>Mesh network or </a:t>
-            </a:r>
-            <a:r>
-              <a:rPr lang="en-US" sz="2000" err="1">
-                <a:solidFill>
-                  <a:srgbClr val="374151"/>
-                </a:solidFill>
-                <a:latin typeface="Arial"/>
-                <a:ea typeface="+mn-lt"/>
-                <a:cs typeface="+mn-lt"/>
-              </a:rPr>
-              <a:t>LoRaWAN</a:t>
-            </a:r>
-            <a:r>
-              <a:rPr lang="en-US" sz="2000" dirty="0">
-                <a:solidFill>
-                  <a:srgbClr val="374151"/>
-                </a:solidFill>
-                <a:latin typeface="Arial"/>
-                <a:ea typeface="+mn-lt"/>
-                <a:cs typeface="+mn-lt"/>
-              </a:rPr>
-              <a:t> for connecting IoT devices over long distances.</a:t>
-            </a:r>
-            <a:endParaRPr lang="en-US" sz="2000">
-              <a:latin typeface="Arial"/>
-              <a:cs typeface="Arial"/>
-            </a:endParaRPr>
-          </a:p>
-          <a:p>
-            <a:pPr>
-              <a:buNone/>
-            </a:pPr>
-            <a:r>
-              <a:rPr lang="en-US" sz="2000" b="1" dirty="0">
-                <a:solidFill>
-                  <a:schemeClr val="tx1">
-                    <a:lumMod val="95000"/>
-                    <a:lumOff val="5000"/>
-                  </a:schemeClr>
-                </a:solidFill>
-                <a:latin typeface="Bahnschrift SemiBold"/>
-                <a:ea typeface="+mn-lt"/>
-                <a:cs typeface="+mn-lt"/>
-              </a:rPr>
-              <a:t>Data Storage and Management:</a:t>
-            </a:r>
-            <a:endParaRPr lang="en-US" sz="2000" dirty="0">
-              <a:solidFill>
-                <a:schemeClr val="tx1">
-                  <a:lumMod val="95000"/>
-                  <a:lumOff val="5000"/>
-                </a:schemeClr>
-              </a:solidFill>
-              <a:latin typeface="Bahnschrift SemiBold"/>
-            </a:endParaRPr>
-          </a:p>
-          <a:p>
-            <a:pPr>
-              <a:buFont typeface="Arial"/>
-              <a:buChar char="•"/>
-            </a:pPr>
-            <a:r>
-              <a:rPr lang="en-US" sz="2000" dirty="0">
-                <a:solidFill>
-                  <a:srgbClr val="374151"/>
-                </a:solidFill>
-                <a:latin typeface="Arial"/>
-                <a:ea typeface="+mn-lt"/>
-                <a:cs typeface="+mn-lt"/>
-              </a:rPr>
-              <a:t>Cloud-based storage for collecting and analyzing data.</a:t>
-            </a:r>
-            <a:endParaRPr lang="en-US" sz="2000">
-              <a:latin typeface="Arial"/>
-              <a:cs typeface="Arial"/>
-            </a:endParaRPr>
-          </a:p>
-          <a:p>
-            <a:pPr>
-              <a:buFont typeface="Arial"/>
-              <a:buChar char="•"/>
-            </a:pPr>
-            <a:r>
-              <a:rPr lang="en-US" sz="2000" dirty="0">
-                <a:solidFill>
-                  <a:srgbClr val="374151"/>
-                </a:solidFill>
-                <a:latin typeface="Arial"/>
-                <a:ea typeface="+mn-lt"/>
-                <a:cs typeface="+mn-lt"/>
-              </a:rPr>
-              <a:t>Databases to store historical traffic data.</a:t>
-            </a:r>
-            <a:endParaRPr lang="en-US" sz="2000">
-              <a:latin typeface="Arial"/>
-              <a:cs typeface="Arial"/>
-            </a:endParaRPr>
-          </a:p>
-          <a:p>
-            <a:pPr>
-              <a:buFont typeface="Arial"/>
-              <a:buChar char="•"/>
-            </a:pPr>
-            <a:r>
-              <a:rPr lang="en-US" sz="2000" dirty="0">
-                <a:solidFill>
-                  <a:srgbClr val="374151"/>
-                </a:solidFill>
-                <a:latin typeface="Arial"/>
-                <a:ea typeface="+mn-lt"/>
-                <a:cs typeface="+mn-lt"/>
-              </a:rPr>
-              <a:t>Real-time data processing and analytics for traffic insights</a:t>
-            </a:r>
-            <a:endParaRPr lang="en-US" sz="2000" dirty="0">
-              <a:latin typeface="Arial"/>
-            </a:endParaRPr>
-          </a:p>
-          <a:p>
-            <a:pPr marL="0" indent="0">
-              <a:buNone/>
-            </a:pPr>
-            <a:endParaRPr lang="en-US" sz="2000" dirty="0">
+            <a:endParaRPr lang="en-US" sz="2000" b="1" dirty="0">
               <a:solidFill>
                 <a:srgbClr val="374151"/>
               </a:solidFill>
@@ -4396,23 +4263,13 @@
             </a:endParaRPr>
           </a:p>
           <a:p>
-            <a:pPr marL="0" indent="0">
-              <a:buNone/>
-            </a:pPr>
-            <a:endParaRPr lang="en-US" sz="2000" dirty="0">
-              <a:solidFill>
-                <a:srgbClr val="374151"/>
-              </a:solidFill>
-              <a:latin typeface="Arial"/>
-              <a:ea typeface="Calibri"/>
-              <a:cs typeface="Calibri"/>
-            </a:endParaRPr>
-          </a:p>
-          <a:p>
             <a:pPr marL="457200" indent="-457200">
               <a:buNone/>
             </a:pPr>
             <a:endParaRPr lang="en-US" sz="2000" b="1" dirty="0">
+              <a:solidFill>
+                <a:srgbClr val="000000"/>
+              </a:solidFill>
               <a:latin typeface="Arial"/>
               <a:ea typeface="Calibri"/>
               <a:cs typeface="Calibri"/>
@@ -4491,13 +4348,13 @@
         </p:nvSpPr>
         <p:spPr>
           <a:xfrm>
-            <a:off x="1155199" y="1029358"/>
-            <a:ext cx="10950166" cy="5832617"/>
+            <a:off x="383474" y="1029358"/>
+            <a:ext cx="11721891" cy="5832617"/>
           </a:xfrm>
         </p:spPr>
         <p:txBody>
           <a:bodyPr vert="horz" lIns="91440" tIns="45720" rIns="91440" bIns="45720" rtlCol="0" anchor="t">
-            <a:normAutofit fontScale="62500" lnSpcReduction="20000"/>
+            <a:normAutofit fontScale="77500" lnSpcReduction="20000"/>
           </a:bodyPr>
           <a:lstStyle/>
           <a:p>
@@ -4506,191 +4363,111 @@
             </a:pPr>
             <a:r>
               <a:rPr lang="en-US" sz="4000" b="1" dirty="0">
+                <a:latin typeface="Calibri"/>
                 <a:ea typeface="Calibri"/>
                 <a:cs typeface="Calibri"/>
               </a:rPr>
-              <a:t>                              </a:t>
-            </a:r>
-          </a:p>
-          <a:p>
-            <a:pPr>
+              <a:t>AI FOR TRAFFIC MANAGEMENT</a:t>
+            </a:r>
+          </a:p>
+          <a:p>
+            <a:pPr marL="0" indent="0">
               <a:buNone/>
             </a:pPr>
             <a:r>
-              <a:rPr lang="en-US" sz="3200" dirty="0">
-                <a:solidFill>
-                  <a:schemeClr val="tx1">
-                    <a:lumMod val="95000"/>
-                    <a:lumOff val="5000"/>
-                  </a:schemeClr>
-                </a:solidFill>
-                <a:latin typeface="Bahnschrift SemiBold"/>
+              <a:rPr lang="en-US" sz="3600" b="1" dirty="0">
+                <a:latin typeface="Arial"/>
                 <a:ea typeface="+mn-lt"/>
                 <a:cs typeface="+mn-lt"/>
               </a:rPr>
-              <a:t>Traffic Control and Automation:</a:t>
-            </a:r>
-            <a:endParaRPr lang="en-US" sz="3200" dirty="0">
-              <a:solidFill>
-                <a:schemeClr val="tx1">
-                  <a:lumMod val="95000"/>
-                  <a:lumOff val="5000"/>
-                </a:schemeClr>
-              </a:solidFill>
-              <a:latin typeface="Bahnschrift SemiBold"/>
-            </a:endParaRPr>
-          </a:p>
-          <a:p>
-            <a:pPr>
-              <a:buFont typeface="Arial"/>
-              <a:buChar char="•"/>
-            </a:pPr>
-            <a:r>
-              <a:rPr lang="en-US" sz="2000" dirty="0">
-                <a:solidFill>
-                  <a:srgbClr val="374151"/>
-                </a:solidFill>
-                <a:latin typeface="Arial 2"/>
+              <a:t>Traffic Prediction:</a:t>
+            </a:r>
+            <a:r>
+              <a:rPr lang="en-US" sz="3600" dirty="0">
+                <a:latin typeface="Arial"/>
                 <a:ea typeface="+mn-lt"/>
                 <a:cs typeface="+mn-lt"/>
               </a:rPr>
-              <a:t>Centralized traffic management system for real-time decision-making.</a:t>
-            </a:r>
-            <a:endParaRPr lang="en-US" sz="2000">
-              <a:latin typeface="Arial 2"/>
+              <a:t> AI can analyze real-time data from IoT sensors, cameras, and traffic lights to predict traffic congestion and provide insights to city planners for better traffic management.</a:t>
+            </a:r>
+            <a:endParaRPr lang="en-US" sz="3600" dirty="0">
+              <a:latin typeface="Arial"/>
+              <a:cs typeface="Arial"/>
             </a:endParaRPr>
           </a:p>
           <a:p>
-            <a:pPr>
-              <a:buFont typeface="Arial"/>
-              <a:buChar char="•"/>
+            <a:pPr marL="0" indent="0">
+              <a:buNone/>
             </a:pPr>
             <a:r>
-              <a:rPr lang="en-US" sz="2000" dirty="0">
-                <a:solidFill>
-                  <a:srgbClr val="374151"/>
-                </a:solidFill>
-                <a:latin typeface="Arial 2"/>
+              <a:rPr lang="en-US" sz="3600" b="1" dirty="0">
+                <a:latin typeface="Arial"/>
                 <a:ea typeface="+mn-lt"/>
                 <a:cs typeface="+mn-lt"/>
               </a:rPr>
-              <a:t>Adaptive traffic signal control algorithms for optimizing signal timing.</a:t>
-            </a:r>
-            <a:endParaRPr lang="en-US" sz="2000">
-              <a:latin typeface="Arial 2"/>
-            </a:endParaRPr>
-          </a:p>
-          <a:p>
-            <a:pPr>
-              <a:buFont typeface="Arial"/>
-              <a:buChar char="•"/>
-            </a:pPr>
-            <a:r>
-              <a:rPr lang="en-US" sz="2000" dirty="0">
-                <a:solidFill>
-                  <a:srgbClr val="374151"/>
-                </a:solidFill>
-                <a:latin typeface="Arial 2"/>
+              <a:t>Adaptive Traffic Signals:</a:t>
+            </a:r>
+            <a:r>
+              <a:rPr lang="en-US" sz="3600" dirty="0">
+                <a:latin typeface="Arial"/>
                 <a:ea typeface="+mn-lt"/>
                 <a:cs typeface="+mn-lt"/>
               </a:rPr>
-              <a:t>Traffic prediction models to anticipate congestion and reroute traffic.</a:t>
-            </a:r>
-            <a:endParaRPr lang="en-US" sz="2000" dirty="0">
-              <a:latin typeface="Arial 2"/>
+              <a:t> AI algorithms can adjust traffic signal timings based on current traffic conditions, helping to reduce congestion and improve traffic flow in real-time.</a:t>
+            </a:r>
+            <a:endParaRPr lang="en-US" sz="3600">
+              <a:latin typeface="Arial"/>
+              <a:cs typeface="Arial"/>
             </a:endParaRPr>
           </a:p>
           <a:p>
-            <a:pPr>
+            <a:pPr marL="0" indent="0">
               <a:buNone/>
             </a:pPr>
             <a:r>
-              <a:rPr lang="en-US" sz="3200" b="1" dirty="0">
-                <a:solidFill>
-                  <a:schemeClr val="tx1">
-                    <a:lumMod val="95000"/>
-                    <a:lumOff val="5000"/>
-                  </a:schemeClr>
-                </a:solidFill>
-                <a:latin typeface="Bahnschrift SemiBold"/>
+              <a:rPr lang="en-US" sz="3600" b="1" dirty="0">
+                <a:latin typeface="Arial"/>
                 <a:ea typeface="+mn-lt"/>
                 <a:cs typeface="+mn-lt"/>
               </a:rPr>
-              <a:t>User Interface:</a:t>
-            </a:r>
-            <a:endParaRPr lang="en-US" sz="3200">
-              <a:solidFill>
-                <a:schemeClr val="tx1">
-                  <a:lumMod val="95000"/>
-                  <a:lumOff val="5000"/>
-                </a:schemeClr>
-              </a:solidFill>
-              <a:latin typeface="Bahnschrift SemiBold"/>
-            </a:endParaRPr>
-          </a:p>
-          <a:p>
-            <a:pPr>
-              <a:buFont typeface="Arial"/>
-              <a:buChar char="•"/>
-            </a:pPr>
-            <a:r>
-              <a:rPr lang="en-US" sz="2000" dirty="0">
-                <a:solidFill>
-                  <a:srgbClr val="374151"/>
-                </a:solidFill>
-                <a:latin typeface="Arial 2"/>
+              <a:t>Intelligent Routing: </a:t>
+            </a:r>
+            <a:r>
+              <a:rPr lang="en-US" sz="3600" dirty="0">
+                <a:latin typeface="Arial"/>
                 <a:ea typeface="+mn-lt"/>
                 <a:cs typeface="+mn-lt"/>
               </a:rPr>
-              <a:t>Web or mobile applications for traffic management personnel.</a:t>
-            </a:r>
-            <a:endParaRPr lang="en-US" sz="2000">
-              <a:latin typeface="Arial 2"/>
+              <a:t>AI can provide drivers with dynamic route recommendations by analyzing traffic data from IoT sensors, helping them avoid congested areas and save time.</a:t>
+            </a:r>
+            <a:endParaRPr lang="en-US" sz="3600">
+              <a:latin typeface="Arial"/>
+              <a:cs typeface="Arial"/>
             </a:endParaRPr>
           </a:p>
           <a:p>
-            <a:pPr>
-              <a:buFont typeface="Arial"/>
-              <a:buChar char="•"/>
+            <a:pPr marL="0" indent="0">
+              <a:buNone/>
             </a:pPr>
             <a:r>
-              <a:rPr lang="en-US" sz="2000" dirty="0">
-                <a:solidFill>
-                  <a:srgbClr val="374151"/>
-                </a:solidFill>
-                <a:latin typeface="Arial 2"/>
+              <a:rPr lang="en-US" sz="3600" b="1" dirty="0">
+                <a:latin typeface="Arial"/>
                 <a:ea typeface="+mn-lt"/>
                 <a:cs typeface="+mn-lt"/>
               </a:rPr>
-              <a:t>Public-facing applications for commuters to access real-time traffic information.</a:t>
-            </a:r>
-            <a:endParaRPr lang="en-US" sz="2000">
-              <a:latin typeface="Arial 2"/>
-            </a:endParaRPr>
-          </a:p>
-          <a:p>
-            <a:pPr>
-              <a:buFont typeface="Arial"/>
-              <a:buChar char="•"/>
-            </a:pPr>
-            <a:r>
-              <a:rPr lang="en-US" sz="2000" dirty="0">
-                <a:solidFill>
-                  <a:srgbClr val="374151"/>
-                </a:solidFill>
-                <a:latin typeface="Arial 2"/>
+              <a:t>Incident Detection:</a:t>
+            </a:r>
+            <a:r>
+              <a:rPr lang="en-US" sz="3600" dirty="0">
+                <a:latin typeface="Arial"/>
                 <a:ea typeface="+mn-lt"/>
                 <a:cs typeface="+mn-lt"/>
               </a:rPr>
-              <a:t>User-friendly dashboards with maps and traffic data</a:t>
-            </a:r>
-            <a:endParaRPr lang="en-US" sz="2000" dirty="0">
-              <a:solidFill>
-                <a:srgbClr val="374151"/>
-              </a:solidFill>
-              <a:latin typeface="Arial 2"/>
-              <a:ea typeface="Calibri"/>
-              <a:cs typeface="Calibri"/>
+              <a:t> AI can quickly identify accidents, road closures, or other incidents by analyzing data from IoT devices, and notify authorities for faster response.</a:t>
+            </a:r>
+            <a:endParaRPr lang="en-US" sz="3600">
+              <a:latin typeface="Arial"/>
+              <a:cs typeface="Arial"/>
             </a:endParaRPr>
           </a:p>
           <a:p>
@@ -4698,173 +4475,31 @@
               <a:buNone/>
             </a:pPr>
             <a:r>
-              <a:rPr lang="en-US" sz="3200" b="1" dirty="0">
-                <a:solidFill>
-                  <a:schemeClr val="tx1">
-                    <a:lumMod val="95000"/>
-                    <a:lumOff val="5000"/>
-                  </a:schemeClr>
-                </a:solidFill>
-                <a:latin typeface="Bahnschrift SemiBold"/>
+              <a:rPr lang="en-US" sz="3600" b="1" dirty="0">
+                <a:latin typeface="Arial"/>
                 <a:ea typeface="+mn-lt"/>
                 <a:cs typeface="+mn-lt"/>
               </a:rPr>
-              <a:t>Security and Privacy:</a:t>
-            </a:r>
-            <a:endParaRPr lang="en-US" sz="3200" dirty="0">
-              <a:solidFill>
-                <a:schemeClr val="tx1">
-                  <a:lumMod val="95000"/>
-                  <a:lumOff val="5000"/>
-                </a:schemeClr>
-              </a:solidFill>
+              <a:t>Parking Management:</a:t>
+            </a:r>
+            <a:r>
+              <a:rPr lang="en-US" sz="3600" dirty="0">
+                <a:latin typeface="Arial"/>
+                <a:ea typeface="+mn-lt"/>
+                <a:cs typeface="+mn-lt"/>
+              </a:rPr>
+              <a:t> IoT sensors can monitor parking availability, and AI can guide drivers to available parking spots, reducing the time spent searching for parking.</a:t>
+            </a:r>
+            <a:endParaRPr lang="en-US" sz="3600">
               <a:latin typeface="Arial"/>
-              <a:ea typeface="Calibri"/>
               <a:cs typeface="Arial"/>
             </a:endParaRPr>
           </a:p>
           <a:p>
-            <a:pPr>
-              <a:buFont typeface="Arial"/>
-              <a:buChar char="•"/>
+            <a:pPr marL="457200" indent="-457200">
+              <a:buNone/>
             </a:pPr>
-            <a:r>
-              <a:rPr lang="en-US" sz="2000" dirty="0">
-                <a:solidFill>
-                  <a:srgbClr val="374151"/>
-                </a:solidFill>
-                <a:latin typeface="Arial 2"/>
-                <a:ea typeface="+mn-lt"/>
-                <a:cs typeface="+mn-lt"/>
-              </a:rPr>
-              <a:t>Implement robust security measures to protect data and devices from cyber threats.</a:t>
-            </a:r>
-            <a:endParaRPr lang="en-US" sz="2000">
-              <a:latin typeface="Arial 2"/>
-            </a:endParaRPr>
-          </a:p>
-          <a:p>
-            <a:pPr>
-              <a:buFont typeface="Arial"/>
-              <a:buChar char="•"/>
-            </a:pPr>
-            <a:r>
-              <a:rPr lang="en-US" sz="2000" dirty="0">
-                <a:solidFill>
-                  <a:srgbClr val="374151"/>
-                </a:solidFill>
-                <a:latin typeface="Arial 2"/>
-                <a:ea typeface="+mn-lt"/>
-                <a:cs typeface="+mn-lt"/>
-              </a:rPr>
-              <a:t>Ensure compliance with privacy regulations when collecting and using data.</a:t>
-            </a:r>
-            <a:endParaRPr lang="en-US" sz="2000" dirty="0">
-              <a:latin typeface="Arial 2"/>
-            </a:endParaRPr>
-          </a:p>
-          <a:p>
-            <a:pPr>
-              <a:buFont typeface="Arial"/>
-              <a:buChar char="•"/>
-            </a:pPr>
-            <a:endParaRPr lang="en-US">
-              <a:solidFill>
-                <a:srgbClr val="000000"/>
-              </a:solidFill>
-              <a:latin typeface="Calibri"/>
-              <a:ea typeface="Calibri"/>
-              <a:cs typeface="Calibri"/>
-            </a:endParaRPr>
-          </a:p>
-          <a:p>
-            <a:pPr marL="0" indent="0">
-              <a:buNone/>
-            </a:pPr>
-            <a:br>
-              <a:rPr lang="en-US" dirty="0"/>
-            </a:br>
-            <a:endParaRPr lang="en-US" dirty="0">
-              <a:ea typeface="Calibri"/>
-              <a:cs typeface="Calibri"/>
-            </a:endParaRPr>
-          </a:p>
-          <a:p>
-            <a:pPr marL="0" indent="0">
-              <a:buNone/>
-            </a:pPr>
-            <a:endParaRPr lang="en-US" sz="2000" b="1" dirty="0">
-              <a:solidFill>
-                <a:srgbClr val="0D0D0D"/>
-              </a:solidFill>
-              <a:latin typeface="Bahnschrift SemiBold"/>
-              <a:ea typeface="Calibri"/>
-              <a:cs typeface="Calibri"/>
-            </a:endParaRPr>
-          </a:p>
-          <a:p>
-            <a:pPr marL="0" indent="0">
-              <a:buNone/>
-            </a:pPr>
-            <a:endParaRPr lang="en-US" sz="2000" dirty="0">
-              <a:solidFill>
-                <a:srgbClr val="374151"/>
-              </a:solidFill>
-              <a:latin typeface="Arial"/>
-              <a:ea typeface="Calibri"/>
-              <a:cs typeface="Calibri"/>
-            </a:endParaRPr>
-          </a:p>
-          <a:p>
-            <a:pPr>
-              <a:buFont typeface="Arial"/>
-              <a:buChar char="•"/>
-            </a:pPr>
-            <a:endParaRPr lang="en-US">
-              <a:ea typeface="Calibri"/>
-              <a:cs typeface="Calibri"/>
-            </a:endParaRPr>
-          </a:p>
-          <a:p>
-            <a:pPr marL="0" indent="0">
-              <a:buNone/>
-            </a:pPr>
-            <a:br>
-              <a:rPr lang="en-US" dirty="0"/>
-            </a:br>
-            <a:endParaRPr lang="en-US" dirty="0">
-              <a:ea typeface="Calibri"/>
-              <a:cs typeface="Calibri"/>
-            </a:endParaRPr>
-          </a:p>
-          <a:p>
-            <a:pPr marL="0" indent="0">
-              <a:buNone/>
-            </a:pPr>
-            <a:endParaRPr lang="en-US" sz="2000" dirty="0">
-              <a:solidFill>
-                <a:srgbClr val="374151"/>
-              </a:solidFill>
-              <a:latin typeface="Arial"/>
-              <a:ea typeface="Calibri"/>
-              <a:cs typeface="Calibri"/>
-            </a:endParaRPr>
-          </a:p>
-          <a:p>
-            <a:pPr marL="457200" indent="-457200">
-              <a:buNone/>
-            </a:pPr>
-            <a:endParaRPr lang="en-US" sz="2000" b="1" dirty="0">
-              <a:latin typeface="Arial"/>
-              <a:ea typeface="Calibri"/>
-              <a:cs typeface="Calibri"/>
-            </a:endParaRPr>
-          </a:p>
-          <a:p>
-            <a:pPr marL="457200" indent="-457200">
-              <a:buNone/>
-            </a:pPr>
-            <a:endParaRPr lang="en-US" dirty="0">
+            <a:endParaRPr lang="en-US" sz="3600" b="1" dirty="0">
               <a:latin typeface="Arial"/>
               <a:ea typeface="Calibri"/>
               <a:cs typeface="Calibri"/>
@@ -4917,7 +4552,7 @@
         <p:spPr>
           <a:xfrm>
             <a:off x="321623" y="156754"/>
-            <a:ext cx="8915683" cy="6801862"/>
+            <a:ext cx="8915683" cy="7417415"/>
           </a:xfrm>
           <a:prstGeom prst="rect">
             <a:avLst/>
@@ -4925,61 +4560,130 @@
           <a:noFill/>
         </p:spPr>
         <p:txBody>
-          <a:bodyPr wrap="square">
+          <a:bodyPr wrap="square" lIns="91440" tIns="45720" rIns="91440" bIns="45720" anchor="t">
             <a:spAutoFit/>
           </a:bodyPr>
           <a:lstStyle/>
           <a:p>
             <a:r>
-              <a:rPr lang="en-US" sz="2800" b="1"/>
-              <a:t>Code Implementation </a:t>
-            </a:r>
-            <a:endParaRPr lang="en-IN" sz="2800" b="1" dirty="0"/>
-          </a:p>
-          <a:p>
-            <a:endParaRPr lang="en-IN" sz="1600" dirty="0"/>
-          </a:p>
-          <a:p>
-            <a:endParaRPr lang="en-IN" sz="2800" b="1" dirty="0"/>
-          </a:p>
-          <a:p>
-            <a:endParaRPr lang="en-IN" sz="2800" b="1" dirty="0"/>
-          </a:p>
-          <a:p>
-            <a:endParaRPr lang="en-IN" sz="2800" b="1" dirty="0"/>
-          </a:p>
-          <a:p>
-            <a:endParaRPr lang="en-IN" sz="2800" b="1" dirty="0"/>
-          </a:p>
-          <a:p>
-            <a:endParaRPr lang="en-IN" sz="2800" b="1" dirty="0"/>
-          </a:p>
-          <a:p>
-            <a:endParaRPr lang="en-IN" sz="2800" b="1" dirty="0"/>
-          </a:p>
-          <a:p>
-            <a:endParaRPr lang="en-IN" sz="2800" b="1" dirty="0"/>
-          </a:p>
-          <a:p>
-            <a:endParaRPr lang="en-IN" sz="2800" b="1" dirty="0"/>
-          </a:p>
-          <a:p>
-            <a:endParaRPr lang="en-IN" sz="2800" b="1" dirty="0"/>
-          </a:p>
-          <a:p>
-            <a:endParaRPr lang="en-IN" sz="2800" b="1" dirty="0"/>
-          </a:p>
-          <a:p>
-            <a:endParaRPr lang="en-IN" sz="2800" b="1" dirty="0"/>
-          </a:p>
-          <a:p>
-            <a:endParaRPr lang="en-IN" sz="2800" b="1" dirty="0"/>
-          </a:p>
-          <a:p>
-            <a:endParaRPr lang="en-IN" sz="2800" b="1" dirty="0"/>
-          </a:p>
-          <a:p>
-            <a:endParaRPr lang="en-IN" sz="2800" b="1" dirty="0"/>
+              <a:rPr lang="en-US" sz="2800" b="1" dirty="0">
+                <a:cs typeface="Calibri"/>
+              </a:rPr>
+              <a:t>ADS FOR TRAFFIC MANAGEMENT</a:t>
+            </a:r>
+          </a:p>
+          <a:p>
+            <a:r>
+              <a:rPr lang="en-US" sz="2800" b="1" dirty="0">
+                <a:latin typeface="Arial"/>
+                <a:ea typeface="+mn-lt"/>
+                <a:cs typeface="+mn-lt"/>
+              </a:rPr>
+              <a:t>Adaptive Cruise Control (ACC):</a:t>
+            </a:r>
+            <a:r>
+              <a:rPr lang="en-US" sz="2800" dirty="0">
+                <a:solidFill>
+                  <a:srgbClr val="374151"/>
+                </a:solidFill>
+                <a:latin typeface="Arial"/>
+                <a:ea typeface="+mn-lt"/>
+                <a:cs typeface="+mn-lt"/>
+              </a:rPr>
+              <a:t> </a:t>
+            </a:r>
+            <a:r>
+              <a:rPr lang="en-US" sz="2800" dirty="0">
+                <a:latin typeface="Arial"/>
+                <a:ea typeface="+mn-lt"/>
+                <a:cs typeface="+mn-lt"/>
+              </a:rPr>
+              <a:t>ACC uses sensors to maintain a safe following distance between vehicles, automatically adjusting speed to traffic flow. It can help reduce traffic congestion and improve the efficiency of highways.</a:t>
+            </a:r>
+            <a:endParaRPr lang="en-US" sz="2800">
+              <a:latin typeface="Arial"/>
+              <a:cs typeface="Arial"/>
+            </a:endParaRPr>
+          </a:p>
+          <a:p>
+            <a:r>
+              <a:rPr lang="en-US" sz="2800" b="1" dirty="0">
+                <a:latin typeface="Arial"/>
+                <a:ea typeface="+mn-lt"/>
+                <a:cs typeface="+mn-lt"/>
+              </a:rPr>
+              <a:t>Lane Keeping Assistance:</a:t>
+            </a:r>
+            <a:r>
+              <a:rPr lang="en-US" sz="2800" dirty="0">
+                <a:solidFill>
+                  <a:srgbClr val="374151"/>
+                </a:solidFill>
+                <a:latin typeface="Arial"/>
+                <a:ea typeface="+mn-lt"/>
+                <a:cs typeface="+mn-lt"/>
+              </a:rPr>
+              <a:t> </a:t>
+            </a:r>
+            <a:r>
+              <a:rPr lang="en-US" sz="2800" dirty="0">
+                <a:latin typeface="Arial"/>
+                <a:ea typeface="+mn-lt"/>
+                <a:cs typeface="+mn-lt"/>
+              </a:rPr>
+              <a:t>This feature helps drivers stay within their lanes, reducing lane departures and the likelihood of accidents. It contributes to smoother traffic flow.</a:t>
+            </a:r>
+            <a:endParaRPr lang="en-US" sz="2800">
+              <a:latin typeface="Arial"/>
+              <a:cs typeface="Arial"/>
+            </a:endParaRPr>
+          </a:p>
+          <a:p>
+            <a:r>
+              <a:rPr lang="en-US" sz="2800" b="1" dirty="0">
+                <a:latin typeface="Arial"/>
+                <a:ea typeface="+mn-lt"/>
+                <a:cs typeface="+mn-lt"/>
+              </a:rPr>
+              <a:t>Collision Avoidance Systems:</a:t>
+            </a:r>
+            <a:r>
+              <a:rPr lang="en-US" sz="2800" dirty="0">
+                <a:solidFill>
+                  <a:srgbClr val="374151"/>
+                </a:solidFill>
+                <a:latin typeface="Arial"/>
+                <a:ea typeface="+mn-lt"/>
+                <a:cs typeface="+mn-lt"/>
+              </a:rPr>
+              <a:t> </a:t>
+            </a:r>
+            <a:r>
+              <a:rPr lang="en-US" sz="2800" dirty="0">
+                <a:latin typeface="Arial"/>
+                <a:ea typeface="+mn-lt"/>
+                <a:cs typeface="+mn-lt"/>
+              </a:rPr>
+              <a:t>ADS can detect obstacles or other vehicles in the vehicle's path and provide warnings or intervene to prevent collisions, helping reduce traffic accidents and traffic jams caused by accidents.</a:t>
+            </a:r>
+            <a:endParaRPr lang="en-US" sz="2800">
+              <a:latin typeface="Arial"/>
+              <a:cs typeface="Arial"/>
+            </a:endParaRPr>
+          </a:p>
+          <a:p>
+            <a:endParaRPr lang="en-US" sz="2800">
+              <a:solidFill>
+                <a:srgbClr val="374151"/>
+              </a:solidFill>
+              <a:latin typeface="Arial"/>
+              <a:cs typeface="Calibri"/>
+            </a:endParaRPr>
+          </a:p>
+          <a:p>
+            <a:endParaRPr lang="en-US" sz="2800" b="1" dirty="0">
+              <a:cs typeface="Calibri"/>
+            </a:endParaRPr>
           </a:p>
         </p:txBody>
       </p:sp>
@@ -4991,212 +4695,20 @@
         </p:nvSpPr>
         <p:spPr>
           <a:xfrm>
-            <a:off x="469768" y="772307"/>
-            <a:ext cx="8503921" cy="5632311"/>
+            <a:off x="656674" y="887325"/>
+            <a:ext cx="8503921" cy="369332"/>
           </a:xfrm>
           <a:prstGeom prst="rect">
             <a:avLst/>
           </a:prstGeom>
         </p:spPr>
         <p:txBody>
-          <a:bodyPr wrap="square">
+          <a:bodyPr wrap="square" lIns="91440" tIns="45720" rIns="91440" bIns="45720" anchor="t">
             <a:spAutoFit/>
           </a:bodyPr>
           <a:lstStyle/>
           <a:p>
-            <a:r>
-              <a:rPr lang="en-US" dirty="0"/>
-              <a:t>import random</a:t>
-            </a:r>
-          </a:p>
-          <a:p>
-            <a:r>
-              <a:rPr lang="en-US" dirty="0"/>
-              <a:t>import time</a:t>
-            </a:r>
-          </a:p>
-          <a:p>
             <a:endParaRPr lang="en-US" dirty="0"/>
-          </a:p>
-          <a:p>
-            <a:r>
-              <a:rPr lang="en-US" dirty="0"/>
-              <a:t>def </a:t>
-            </a:r>
-            <a:r>
-              <a:rPr lang="en-US" dirty="0" err="1"/>
-              <a:t>generate_traffic_data</a:t>
-            </a:r>
-            <a:r>
-              <a:rPr lang="en-US" dirty="0"/>
-              <a:t>():</a:t>
-            </a:r>
-          </a:p>
-          <a:p>
-            <a:r>
-              <a:rPr lang="en-US" dirty="0"/>
-              <a:t>	return {</a:t>
-            </a:r>
-          </a:p>
-          <a:p>
-            <a:r>
-              <a:rPr lang="en-US" dirty="0"/>
-              <a:t>	"location": "Intersection A",</a:t>
-            </a:r>
-          </a:p>
-          <a:p>
-            <a:r>
-              <a:rPr lang="en-US" dirty="0"/>
-              <a:t>	"</a:t>
-            </a:r>
-            <a:r>
-              <a:rPr lang="en-US" dirty="0" err="1"/>
-              <a:t>traffic_flow</a:t>
-            </a:r>
-            <a:r>
-              <a:rPr lang="en-US" dirty="0"/>
-              <a:t>": </a:t>
-            </a:r>
-            <a:r>
-              <a:rPr lang="en-US" dirty="0" err="1"/>
-              <a:t>random.randint</a:t>
-            </a:r>
-            <a:r>
-              <a:rPr lang="en-US" dirty="0"/>
-              <a:t>(0, 100),</a:t>
-            </a:r>
-          </a:p>
-          <a:p>
-            <a:r>
-              <a:rPr lang="en-US" dirty="0"/>
-              <a:t>	"weather": "Clear",</a:t>
-            </a:r>
-          </a:p>
-          <a:p>
-            <a:r>
-              <a:rPr lang="en-US" dirty="0"/>
-              <a:t>	}</a:t>
-            </a:r>
-          </a:p>
-          <a:p>
-            <a:endParaRPr lang="en-US" dirty="0"/>
-          </a:p>
-          <a:p>
-            <a:r>
-              <a:rPr lang="en-US" dirty="0"/>
-              <a:t>def </a:t>
-            </a:r>
-            <a:r>
-              <a:rPr lang="en-US" dirty="0" err="1"/>
-              <a:t>control_traffic_lights</a:t>
-            </a:r>
-            <a:r>
-              <a:rPr lang="en-US" dirty="0"/>
-              <a:t>(data):</a:t>
-            </a:r>
-          </a:p>
-          <a:p>
-            <a:r>
-              <a:rPr lang="en-US" dirty="0"/>
-              <a:t> 	if data["</a:t>
-            </a:r>
-            <a:r>
-              <a:rPr lang="en-US" dirty="0" err="1"/>
-              <a:t>traffic_flow</a:t>
-            </a:r>
-            <a:r>
-              <a:rPr lang="en-US" dirty="0"/>
-              <a:t>"] &gt; 50:        </a:t>
-            </a:r>
-          </a:p>
-          <a:p>
-            <a:r>
-              <a:rPr lang="en-US" dirty="0"/>
-              <a:t>	print("High traffic flow. Adjusting traffic lights for green signal.")</a:t>
-            </a:r>
-          </a:p>
-          <a:p>
-            <a:endParaRPr lang="en-US" dirty="0"/>
-          </a:p>
-          <a:p>
-            <a:r>
-              <a:rPr lang="en-US" dirty="0"/>
-              <a:t>while True:    </a:t>
-            </a:r>
-          </a:p>
-          <a:p>
-            <a:r>
-              <a:rPr lang="en-US" dirty="0"/>
-              <a:t>	</a:t>
-            </a:r>
-            <a:r>
-              <a:rPr lang="en-US" dirty="0" err="1"/>
-              <a:t>traffic_data</a:t>
-            </a:r>
-            <a:r>
-              <a:rPr lang="en-US" dirty="0"/>
-              <a:t> = </a:t>
-            </a:r>
-            <a:r>
-              <a:rPr lang="en-US" dirty="0" err="1"/>
-              <a:t>generate_traffic_data</a:t>
-            </a:r>
-            <a:r>
-              <a:rPr lang="en-US" dirty="0"/>
-              <a:t>()    </a:t>
-            </a:r>
-          </a:p>
-          <a:p>
-            <a:r>
-              <a:rPr lang="en-US" dirty="0"/>
-              <a:t>	print("Traffic Data:", </a:t>
-            </a:r>
-            <a:r>
-              <a:rPr lang="en-US" dirty="0" err="1"/>
-              <a:t>traffic_data</a:t>
-            </a:r>
-            <a:r>
-              <a:rPr lang="en-US" dirty="0"/>
-              <a:t>)        </a:t>
-            </a:r>
-          </a:p>
-          <a:p>
-            <a:r>
-              <a:rPr lang="en-US" dirty="0"/>
-              <a:t>	</a:t>
-            </a:r>
-            <a:r>
-              <a:rPr lang="en-US" dirty="0" err="1"/>
-              <a:t>control_traffic_lights</a:t>
-            </a:r>
-            <a:r>
-              <a:rPr lang="en-US" dirty="0"/>
-              <a:t>(</a:t>
-            </a:r>
-            <a:r>
-              <a:rPr lang="en-US" dirty="0" err="1"/>
-              <a:t>traffic_data</a:t>
-            </a:r>
-            <a:r>
-              <a:rPr lang="en-US" dirty="0"/>
-              <a:t>)     </a:t>
-            </a:r>
-          </a:p>
-          <a:p>
-            <a:r>
-              <a:rPr lang="en-US" dirty="0"/>
-              <a:t>   </a:t>
-            </a:r>
-          </a:p>
-          <a:p>
-            <a:r>
-              <a:rPr lang="en-US" dirty="0" err="1"/>
-              <a:t>time.sleep</a:t>
-            </a:r>
-            <a:r>
-              <a:rPr lang="en-US" dirty="0"/>
-              <a:t>(5)</a:t>
-            </a:r>
           </a:p>
         </p:txBody>
       </p:sp>
@@ -5232,104 +4744,239 @@
       </p:grpSpPr>
       <p:sp>
         <p:nvSpPr>
-          <p:cNvPr id="2" name="Title 1"/>
-          <p:cNvSpPr>
-            <a:spLocks noGrp="1"/>
-          </p:cNvSpPr>
-          <p:nvPr>
-            <p:ph type="title"/>
-          </p:nvPr>
+          <p:cNvPr id="3" name="TextBox 2">
+            <a:extLst>
+              <a:ext uri="{FF2B5EF4-FFF2-40B4-BE49-F238E27FC236}">
+                <a16:creationId xmlns:a16="http://schemas.microsoft.com/office/drawing/2014/main" id="{DB9729D5-E30B-2A00-C15A-CED232371C94}"/>
+              </a:ext>
+            </a:extLst>
+          </p:cNvPr>
+          <p:cNvSpPr txBox="1"/>
+          <p:nvPr/>
         </p:nvSpPr>
         <p:spPr>
           <a:xfrm>
-            <a:off x="831850" y="679270"/>
-            <a:ext cx="10515600" cy="391884"/>
+            <a:off x="321623" y="156754"/>
+            <a:ext cx="8915683" cy="8340745"/>
           </a:xfrm>
+          <a:prstGeom prst="rect">
+            <a:avLst/>
+          </a:prstGeom>
+          <a:noFill/>
         </p:spPr>
         <p:txBody>
-          <a:bodyPr>
-            <a:noAutofit/>
+          <a:bodyPr wrap="square" lIns="91440" tIns="45720" rIns="91440" bIns="45720" anchor="t">
+            <a:spAutoFit/>
           </a:bodyPr>
           <a:lstStyle/>
           <a:p>
             <a:r>
-              <a:rPr lang="en-US" sz="4000" b="1" dirty="0"/>
-              <a:t>Code explanation</a:t>
-            </a:r>
-          </a:p>
-        </p:txBody>
-      </p:sp>
-      <p:sp>
-        <p:nvSpPr>
-          <p:cNvPr id="3" name="Text Placeholder 2"/>
-          <p:cNvSpPr>
-            <a:spLocks noGrp="1"/>
-          </p:cNvSpPr>
-          <p:nvPr>
-            <p:ph type="body" idx="1"/>
-          </p:nvPr>
+              <a:rPr lang="en-US" sz="2800" b="1" dirty="0">
+                <a:cs typeface="Calibri"/>
+              </a:rPr>
+              <a:t>DAC FOR TRAFFIC MANAGEMENT</a:t>
+            </a:r>
+          </a:p>
+          <a:p>
+            <a:r>
+              <a:rPr lang="en-US" sz="2400" b="1" dirty="0">
+                <a:solidFill>
+                  <a:srgbClr val="000000"/>
+                </a:solidFill>
+                <a:latin typeface="Arial"/>
+                <a:ea typeface="+mn-lt"/>
+                <a:cs typeface="+mn-lt"/>
+              </a:rPr>
+              <a:t>Access Control Policies:</a:t>
+            </a:r>
+            <a:r>
+              <a:rPr lang="en-US" sz="2400" dirty="0">
+                <a:solidFill>
+                  <a:srgbClr val="374151"/>
+                </a:solidFill>
+                <a:latin typeface="Arial"/>
+                <a:ea typeface="+mn-lt"/>
+                <a:cs typeface="+mn-lt"/>
+              </a:rPr>
+              <a:t> </a:t>
+            </a:r>
+            <a:r>
+              <a:rPr lang="en-US" sz="2400" dirty="0">
+                <a:latin typeface="Arial"/>
+                <a:ea typeface="+mn-lt"/>
+                <a:cs typeface="+mn-lt"/>
+              </a:rPr>
+              <a:t>DAC allows traffic management authorities to define dynamic access control policies based on various factors, including real-time traffic conditions, user profiles, vehicle types, and more.</a:t>
+            </a:r>
+            <a:endParaRPr lang="en-US" sz="2400" dirty="0">
+              <a:latin typeface="Arial"/>
+              <a:cs typeface="Arial"/>
+            </a:endParaRPr>
+          </a:p>
+          <a:p>
+            <a:r>
+              <a:rPr lang="en-US" sz="2400" b="1" dirty="0">
+                <a:solidFill>
+                  <a:srgbClr val="000000"/>
+                </a:solidFill>
+                <a:latin typeface="Arial"/>
+                <a:ea typeface="+mn-lt"/>
+                <a:cs typeface="+mn-lt"/>
+              </a:rPr>
+              <a:t>Traffic Flow Optimization:</a:t>
+            </a:r>
+            <a:r>
+              <a:rPr lang="en-US" sz="2400" dirty="0">
+                <a:solidFill>
+                  <a:srgbClr val="374151"/>
+                </a:solidFill>
+                <a:latin typeface="Arial"/>
+                <a:ea typeface="+mn-lt"/>
+                <a:cs typeface="+mn-lt"/>
+              </a:rPr>
+              <a:t> </a:t>
+            </a:r>
+            <a:r>
+              <a:rPr lang="en-US" sz="2400" dirty="0">
+                <a:latin typeface="Arial"/>
+                <a:ea typeface="+mn-lt"/>
+                <a:cs typeface="+mn-lt"/>
+              </a:rPr>
+              <a:t>By dynamically adjusting access and traffic routing based on real-time data, DAC can help optimize traffic flow. For example, it can control which vehicles are allowed to enter certain areas or lanes during peak hours.</a:t>
+            </a:r>
+            <a:endParaRPr lang="en-US" sz="2400">
+              <a:latin typeface="Arial"/>
+              <a:cs typeface="Arial"/>
+            </a:endParaRPr>
+          </a:p>
+          <a:p>
+            <a:r>
+              <a:rPr lang="en-US" sz="2400" b="1" dirty="0">
+                <a:solidFill>
+                  <a:srgbClr val="000000"/>
+                </a:solidFill>
+                <a:latin typeface="Arial"/>
+                <a:ea typeface="+mn-lt"/>
+                <a:cs typeface="+mn-lt"/>
+              </a:rPr>
+              <a:t>Dynamic Lane Management:</a:t>
+            </a:r>
+            <a:r>
+              <a:rPr lang="en-US" sz="2400" dirty="0">
+                <a:solidFill>
+                  <a:srgbClr val="374151"/>
+                </a:solidFill>
+                <a:latin typeface="Arial"/>
+                <a:ea typeface="+mn-lt"/>
+                <a:cs typeface="+mn-lt"/>
+              </a:rPr>
+              <a:t> </a:t>
+            </a:r>
+            <a:r>
+              <a:rPr lang="en-US" sz="2400" dirty="0">
+                <a:latin typeface="Arial"/>
+                <a:ea typeface="+mn-lt"/>
+                <a:cs typeface="+mn-lt"/>
+              </a:rPr>
+              <a:t>DAC can be used to change lane configurations and access permissions based on traffic conditions. This can involve dynamically opening or closing lanes, such as express lanes or toll lanes, to manage traffic congestion.</a:t>
+            </a:r>
+            <a:endParaRPr lang="en-US" sz="2400">
+              <a:latin typeface="Arial"/>
+              <a:cs typeface="Arial"/>
+            </a:endParaRPr>
+          </a:p>
+          <a:p>
+            <a:r>
+              <a:rPr lang="en-US" sz="2400" b="1" dirty="0">
+                <a:solidFill>
+                  <a:srgbClr val="000000"/>
+                </a:solidFill>
+                <a:latin typeface="Arial"/>
+                <a:ea typeface="+mn-lt"/>
+                <a:cs typeface="+mn-lt"/>
+              </a:rPr>
+              <a:t>Emergency Response:</a:t>
+            </a:r>
+            <a:r>
+              <a:rPr lang="en-US" sz="2400" dirty="0">
+                <a:solidFill>
+                  <a:srgbClr val="374151"/>
+                </a:solidFill>
+                <a:latin typeface="Arial"/>
+                <a:ea typeface="+mn-lt"/>
+                <a:cs typeface="+mn-lt"/>
+              </a:rPr>
+              <a:t> </a:t>
+            </a:r>
+            <a:r>
+              <a:rPr lang="en-US" sz="2400" dirty="0">
+                <a:latin typeface="Arial"/>
+                <a:ea typeface="+mn-lt"/>
+                <a:cs typeface="+mn-lt"/>
+              </a:rPr>
+              <a:t>DAC can enable rapid response and coordination in emergencies or critical situations. For instance, it can prioritize access for emergency vehicles and change traffic signals to facilitate their passage.</a:t>
+            </a:r>
+            <a:endParaRPr lang="en-US" sz="2400">
+              <a:latin typeface="Arial"/>
+              <a:cs typeface="Arial"/>
+            </a:endParaRPr>
+          </a:p>
+          <a:p>
+            <a:endParaRPr lang="en-US" sz="2400" b="1" dirty="0">
+              <a:latin typeface="Arial"/>
+              <a:cs typeface="Calibri"/>
+            </a:endParaRPr>
+          </a:p>
+          <a:p>
+            <a:endParaRPr lang="en-US" sz="2400" b="1" dirty="0">
+              <a:solidFill>
+                <a:srgbClr val="000000"/>
+              </a:solidFill>
+              <a:latin typeface="Arial"/>
+              <a:cs typeface="Calibri"/>
+            </a:endParaRPr>
+          </a:p>
+          <a:p>
+            <a:endParaRPr lang="en-US" sz="2400" dirty="0">
+              <a:solidFill>
+                <a:srgbClr val="374151"/>
+              </a:solidFill>
+              <a:latin typeface="Arial"/>
+              <a:cs typeface="Calibri"/>
+            </a:endParaRPr>
+          </a:p>
+          <a:p>
+            <a:endParaRPr lang="en-US" sz="2800" b="1" dirty="0">
+              <a:solidFill>
+                <a:srgbClr val="000000"/>
+              </a:solidFill>
+              <a:latin typeface="Calibri"/>
+              <a:cs typeface="Calibri"/>
+            </a:endParaRPr>
+          </a:p>
+        </p:txBody>
+      </p:sp>
+      <p:sp>
+        <p:nvSpPr>
+          <p:cNvPr id="5" name="Rectangle 4"/>
+          <p:cNvSpPr/>
+          <p:nvPr/>
         </p:nvSpPr>
         <p:spPr>
           <a:xfrm>
-            <a:off x="182880" y="1423851"/>
-            <a:ext cx="11425827" cy="4626612"/>
+            <a:off x="656674" y="887325"/>
+            <a:ext cx="8503921" cy="369332"/>
           </a:xfrm>
+          <a:prstGeom prst="rect">
+            <a:avLst/>
+          </a:prstGeom>
         </p:spPr>
         <p:txBody>
-          <a:bodyPr>
-            <a:normAutofit fontScale="70000" lnSpcReduction="20000"/>
+          <a:bodyPr wrap="square" lIns="91440" tIns="45720" rIns="91440" bIns="45720" anchor="t">
+            <a:spAutoFit/>
           </a:bodyPr>
           <a:lstStyle/>
           <a:p>
-            <a:r>
-              <a:rPr lang="en-US" sz="3600" dirty="0">
-                <a:solidFill>
-                  <a:schemeClr val="tx1"/>
-                </a:solidFill>
-              </a:rPr>
-              <a:t>Creating a complete traffic management system is a complex task that involves various components such as sensors, databases, user interfaces, and possibly hardware integration. Below, I'll provide a basic Python code outline for a simple traffic light simulation. Keep in mind that this is a simplified example and doesn't cover all aspects of a real-world traffic management system.</a:t>
-            </a:r>
-          </a:p>
-          <a:p>
-            <a:r>
-              <a:rPr lang="en-US" sz="3600" dirty="0">
-                <a:solidFill>
-                  <a:schemeClr val="tx1"/>
-                </a:solidFill>
-              </a:rPr>
-              <a:t>Keep in mind that this is a basic simulation and does not interact with any physical hardware or real-world data. For a complete traffic management system, you would need to incorporate things like sensors, actuators, databases, user interfaces, and potentially even machine learning algorithms for more advanced traffic management.</a:t>
-            </a:r>
-          </a:p>
-          <a:p>
-            <a:r>
-              <a:rPr lang="en-US" sz="3600" dirty="0">
-                <a:solidFill>
-                  <a:schemeClr val="tx1"/>
-                </a:solidFill>
-              </a:rPr>
-              <a:t>If you are working on a larger project, consider breaking it down into smaller, manageable parts, and start by implementing each component one by one. Additionally, you may want to look into libraries like Flask or </a:t>
-            </a:r>
-            <a:r>
-              <a:rPr lang="en-US" sz="3600" dirty="0" err="1">
-                <a:solidFill>
-                  <a:schemeClr val="tx1"/>
-                </a:solidFill>
-              </a:rPr>
-              <a:t>Django</a:t>
-            </a:r>
-            <a:r>
-              <a:rPr lang="en-US" sz="3600" dirty="0">
-                <a:solidFill>
-                  <a:schemeClr val="tx1"/>
-                </a:solidFill>
-              </a:rPr>
-              <a:t> for building web interfaces, and consider using external libraries for interfacing with hardware components if necessary.</a:t>
-            </a:r>
-          </a:p>
-          <a:p>
-            <a:br>
-              <a:rPr lang="en-US" dirty="0"/>
-            </a:br>
             <a:endParaRPr lang="en-US" dirty="0"/>
           </a:p>
         </p:txBody>
@@ -5337,7 +4984,7 @@
     </p:spTree>
     <p:extLst>
       <p:ext uri="{BB962C8B-B14F-4D97-AF65-F5344CB8AC3E}">
-        <p14:creationId xmlns:p14="http://schemas.microsoft.com/office/powerpoint/2010/main" val="2236340820"/>
+        <p14:creationId xmlns:p14="http://schemas.microsoft.com/office/powerpoint/2010/main" val="530198862"/>
       </p:ext>
     </p:extLst>
   </p:cSld>
@@ -5366,114 +5013,253 @@
       </p:grpSpPr>
       <p:sp>
         <p:nvSpPr>
-          <p:cNvPr id="2" name="Title 1">
-            <a:extLst>
-              <a:ext uri="{FF2B5EF4-FFF2-40B4-BE49-F238E27FC236}">
-                <a16:creationId xmlns:a16="http://schemas.microsoft.com/office/drawing/2014/main" id="{0AFB6A5A-D25A-7A49-84DB-8909C3FAACD5}"/>
-              </a:ext>
-            </a:extLst>
-          </p:cNvPr>
-          <p:cNvSpPr>
-            <a:spLocks noGrp="1"/>
-          </p:cNvSpPr>
-          <p:nvPr>
-            <p:ph type="title"/>
-          </p:nvPr>
-        </p:nvSpPr>
-        <p:spPr/>
-        <p:txBody>
-          <a:bodyPr>
-            <a:noAutofit/>
-          </a:bodyPr>
-          <a:lstStyle/>
-          <a:p>
-            <a:r>
-              <a:rPr lang="en-US" sz="4800">
-                <a:latin typeface="+mn-lt"/>
-                <a:ea typeface="Abadi" panose="02000000000000000000" pitchFamily="2" charset="0"/>
-              </a:rPr>
-              <a:t>RASPBERRY</a:t>
-            </a:r>
-            <a:r>
-              <a:rPr lang="en-US" sz="4800" b="1">
-                <a:latin typeface="+mn-lt"/>
-                <a:ea typeface="Abadi" panose="02000000000000000000" pitchFamily="2" charset="0"/>
-              </a:rPr>
-              <a:t> </a:t>
-            </a:r>
-            <a:r>
-              <a:rPr lang="en-US" sz="4800">
-                <a:latin typeface="+mn-lt"/>
-                <a:ea typeface="Abadi" panose="02000000000000000000" pitchFamily="2" charset="0"/>
-              </a:rPr>
-              <a:t>PI</a:t>
-            </a:r>
-            <a:r>
-              <a:rPr lang="en-US" sz="4800" b="1">
-                <a:latin typeface="+mn-lt"/>
-                <a:ea typeface="Abadi" panose="02000000000000000000" pitchFamily="2" charset="0"/>
-              </a:rPr>
-              <a:t> </a:t>
-            </a:r>
-            <a:r>
-              <a:rPr lang="en-US" sz="4800">
-                <a:latin typeface="+mn-lt"/>
-                <a:ea typeface="Abadi" panose="02000000000000000000" pitchFamily="2" charset="0"/>
-              </a:rPr>
-              <a:t>INTEGRATION</a:t>
-            </a:r>
-            <a:br>
-              <a:rPr lang="en-US" sz="4800" b="1">
-                <a:latin typeface="+mn-lt"/>
-                <a:ea typeface="Abadi" panose="02000000000000000000" pitchFamily="2" charset="0"/>
-              </a:rPr>
-            </a:br>
-            <a:endParaRPr lang="en-US" sz="4800" b="1">
-              <a:latin typeface="+mn-lt"/>
-              <a:ea typeface="Abadi" panose="02000000000000000000" pitchFamily="2" charset="0"/>
-            </a:endParaRPr>
-          </a:p>
-        </p:txBody>
-      </p:sp>
-      <p:pic>
-        <p:nvPicPr>
-          <p:cNvPr id="4" name="Picture 4">
-            <a:extLst>
-              <a:ext uri="{FF2B5EF4-FFF2-40B4-BE49-F238E27FC236}">
-                <a16:creationId xmlns:a16="http://schemas.microsoft.com/office/drawing/2014/main" id="{C138E63F-6EF6-344D-A3FB-0BDA9BB6B1F1}"/>
-              </a:ext>
-            </a:extLst>
-          </p:cNvPr>
-          <p:cNvPicPr>
-            <a:picLocks noGrp="1" noChangeAspect="1"/>
-          </p:cNvPicPr>
-          <p:nvPr>
-            <p:ph idx="1"/>
-          </p:nvPr>
-        </p:nvPicPr>
-        <p:blipFill>
-          <a:blip r:embed="rId2">
-            <a:extLst>
-              <a:ext uri="{28A0092B-C50C-407E-A947-70E740481C1C}">
-                <a14:useLocalDpi xmlns:a14="http://schemas.microsoft.com/office/drawing/2010/main" val="0"/>
-              </a:ext>
-            </a:extLst>
-          </a:blip>
-          <a:stretch>
-            <a:fillRect/>
-          </a:stretch>
-        </p:blipFill>
+          <p:cNvPr id="3" name="TextBox 2">
+            <a:extLst>
+              <a:ext uri="{FF2B5EF4-FFF2-40B4-BE49-F238E27FC236}">
+                <a16:creationId xmlns:a16="http://schemas.microsoft.com/office/drawing/2014/main" id="{DB9729D5-E30B-2A00-C15A-CED232371C94}"/>
+              </a:ext>
+            </a:extLst>
+          </p:cNvPr>
+          <p:cNvSpPr txBox="1"/>
+          <p:nvPr/>
+        </p:nvSpPr>
         <p:spPr>
           <a:xfrm>
-            <a:off x="953072" y="1690688"/>
-            <a:ext cx="8980857" cy="4351338"/>
+            <a:off x="235359" y="185509"/>
+            <a:ext cx="8915683" cy="8156079"/>
           </a:xfrm>
+          <a:prstGeom prst="rect">
+            <a:avLst/>
+          </a:prstGeom>
+          <a:noFill/>
         </p:spPr>
-      </p:pic>
+        <p:txBody>
+          <a:bodyPr wrap="square" lIns="91440" tIns="45720" rIns="91440" bIns="45720" anchor="t">
+            <a:spAutoFit/>
+          </a:bodyPr>
+          <a:lstStyle/>
+          <a:p>
+            <a:r>
+              <a:rPr lang="en-US" sz="2800" b="1" dirty="0">
+                <a:cs typeface="Calibri"/>
+              </a:rPr>
+              <a:t>IOT  FOR TRAFFIC MANAGEMENT</a:t>
+            </a:r>
+          </a:p>
+          <a:p>
+            <a:r>
+              <a:rPr lang="en-US" sz="2400" b="1" dirty="0">
+                <a:solidFill>
+                  <a:srgbClr val="000000"/>
+                </a:solidFill>
+                <a:latin typeface="Arial"/>
+                <a:ea typeface="+mn-lt"/>
+                <a:cs typeface="+mn-lt"/>
+              </a:rPr>
+              <a:t>Traffic Monitoring:</a:t>
+            </a:r>
+            <a:r>
+              <a:rPr lang="en-US" sz="2400" dirty="0">
+                <a:solidFill>
+                  <a:srgbClr val="374151"/>
+                </a:solidFill>
+                <a:latin typeface="Arial"/>
+                <a:ea typeface="+mn-lt"/>
+                <a:cs typeface="+mn-lt"/>
+              </a:rPr>
+              <a:t> </a:t>
+            </a:r>
+            <a:r>
+              <a:rPr lang="en-US" sz="2400" dirty="0">
+                <a:latin typeface="Arial"/>
+                <a:ea typeface="+mn-lt"/>
+                <a:cs typeface="+mn-lt"/>
+              </a:rPr>
+              <a:t>IoT sensors, cameras, and other devices can collect real-time data on traffic conditions, including vehicle flow, speed, and congestion. This data is essential for traffic management and can be used to make informed decisions.</a:t>
+            </a:r>
+            <a:endParaRPr lang="en-US" sz="2400" dirty="0">
+              <a:latin typeface="Arial"/>
+              <a:cs typeface="Arial"/>
+            </a:endParaRPr>
+          </a:p>
+          <a:p>
+            <a:r>
+              <a:rPr lang="en-US" sz="2400" b="1" dirty="0">
+                <a:solidFill>
+                  <a:srgbClr val="000000"/>
+                </a:solidFill>
+                <a:latin typeface="Arial"/>
+                <a:ea typeface="+mn-lt"/>
+                <a:cs typeface="+mn-lt"/>
+              </a:rPr>
+              <a:t>Intelligent Traffic Lights:</a:t>
+            </a:r>
+            <a:r>
+              <a:rPr lang="en-US" sz="2400" dirty="0">
+                <a:solidFill>
+                  <a:srgbClr val="374151"/>
+                </a:solidFill>
+                <a:latin typeface="Arial"/>
+                <a:ea typeface="+mn-lt"/>
+                <a:cs typeface="+mn-lt"/>
+              </a:rPr>
+              <a:t> </a:t>
+            </a:r>
+            <a:r>
+              <a:rPr lang="en-US" sz="2400" dirty="0">
+                <a:latin typeface="Arial"/>
+                <a:ea typeface="+mn-lt"/>
+                <a:cs typeface="+mn-lt"/>
+              </a:rPr>
+              <a:t>IoT-enabled traffic lights can dynamically adjust signal timings based on traffic conditions. For example, they can prioritize lanes with heavier traffic to reduce congestion.</a:t>
+            </a:r>
+            <a:endParaRPr lang="en-US" sz="2400">
+              <a:latin typeface="Arial"/>
+              <a:cs typeface="Arial"/>
+            </a:endParaRPr>
+          </a:p>
+          <a:p>
+            <a:r>
+              <a:rPr lang="en-US" sz="2400" b="1" dirty="0">
+                <a:solidFill>
+                  <a:srgbClr val="000000"/>
+                </a:solidFill>
+                <a:latin typeface="Arial"/>
+                <a:ea typeface="+mn-lt"/>
+                <a:cs typeface="+mn-lt"/>
+              </a:rPr>
+              <a:t>Parking Management:</a:t>
+            </a:r>
+            <a:r>
+              <a:rPr lang="en-US" sz="2400" dirty="0">
+                <a:solidFill>
+                  <a:srgbClr val="374151"/>
+                </a:solidFill>
+                <a:latin typeface="Arial"/>
+                <a:ea typeface="+mn-lt"/>
+                <a:cs typeface="+mn-lt"/>
+              </a:rPr>
+              <a:t> </a:t>
+            </a:r>
+            <a:r>
+              <a:rPr lang="en-US" sz="2400" dirty="0">
+                <a:latin typeface="Arial"/>
+                <a:ea typeface="+mn-lt"/>
+                <a:cs typeface="+mn-lt"/>
+              </a:rPr>
+              <a:t>IoT sensors in parking spaces can provide information on available parking spots, helping drivers find parking quickly and reducing traffic caused by vehicles searching for parking.</a:t>
+            </a:r>
+            <a:endParaRPr lang="en-US" sz="2400">
+              <a:latin typeface="Arial"/>
+              <a:cs typeface="Arial"/>
+            </a:endParaRPr>
+          </a:p>
+          <a:p>
+            <a:r>
+              <a:rPr lang="en-US" sz="2400" b="1" dirty="0">
+                <a:solidFill>
+                  <a:srgbClr val="000000"/>
+                </a:solidFill>
+                <a:latin typeface="Arial"/>
+                <a:ea typeface="+mn-lt"/>
+                <a:cs typeface="+mn-lt"/>
+              </a:rPr>
+              <a:t>Smart Traffic Signage:</a:t>
+            </a:r>
+            <a:r>
+              <a:rPr lang="en-US" sz="2400" dirty="0">
+                <a:solidFill>
+                  <a:srgbClr val="374151"/>
+                </a:solidFill>
+                <a:latin typeface="Arial"/>
+                <a:ea typeface="+mn-lt"/>
+                <a:cs typeface="+mn-lt"/>
+              </a:rPr>
+              <a:t> </a:t>
+            </a:r>
+            <a:r>
+              <a:rPr lang="en-US" sz="2400" dirty="0">
+                <a:latin typeface="Arial"/>
+                <a:ea typeface="+mn-lt"/>
+                <a:cs typeface="+mn-lt"/>
+              </a:rPr>
+              <a:t>IoT-connected digital signs can convey real-time information to drivers, such as road closures, accident alerts, and detour instructions.</a:t>
+            </a:r>
+            <a:endParaRPr lang="en-US" sz="2400" dirty="0">
+              <a:latin typeface="Arial"/>
+              <a:cs typeface="Arial"/>
+            </a:endParaRPr>
+          </a:p>
+          <a:p>
+            <a:endParaRPr lang="en-US" sz="2400" b="1" dirty="0">
+              <a:solidFill>
+                <a:srgbClr val="000000"/>
+              </a:solidFill>
+              <a:latin typeface="Arial"/>
+              <a:cs typeface="Calibri"/>
+            </a:endParaRPr>
+          </a:p>
+          <a:p>
+            <a:endParaRPr lang="en-US" sz="2400" dirty="0">
+              <a:latin typeface="Arial"/>
+              <a:cs typeface="Arial"/>
+            </a:endParaRPr>
+          </a:p>
+          <a:p>
+            <a:br>
+              <a:rPr lang="en-US" dirty="0"/>
+            </a:br>
+            <a:endParaRPr lang="en-US" dirty="0"/>
+          </a:p>
+          <a:p>
+            <a:endParaRPr lang="en-US" sz="2400" dirty="0">
+              <a:solidFill>
+                <a:srgbClr val="374151"/>
+              </a:solidFill>
+              <a:latin typeface="Arial"/>
+              <a:cs typeface="Calibri"/>
+            </a:endParaRPr>
+          </a:p>
+          <a:p>
+            <a:endParaRPr lang="en-US" sz="2800" b="1" dirty="0">
+              <a:solidFill>
+                <a:srgbClr val="000000"/>
+              </a:solidFill>
+              <a:latin typeface="Calibri"/>
+              <a:cs typeface="Calibri"/>
+            </a:endParaRPr>
+          </a:p>
+        </p:txBody>
+      </p:sp>
+      <p:sp>
+        <p:nvSpPr>
+          <p:cNvPr id="5" name="Rectangle 4"/>
+          <p:cNvSpPr/>
+          <p:nvPr/>
+        </p:nvSpPr>
+        <p:spPr>
+          <a:xfrm>
+            <a:off x="656674" y="887325"/>
+            <a:ext cx="8503921" cy="369332"/>
+          </a:xfrm>
+          <a:prstGeom prst="rect">
+            <a:avLst/>
+          </a:prstGeom>
+        </p:spPr>
+        <p:txBody>
+          <a:bodyPr wrap="square" lIns="91440" tIns="45720" rIns="91440" bIns="45720" anchor="t">
+            <a:spAutoFit/>
+          </a:bodyPr>
+          <a:lstStyle/>
+          <a:p>
+            <a:endParaRPr lang="en-US" dirty="0"/>
+          </a:p>
+        </p:txBody>
+      </p:sp>
     </p:spTree>
     <p:extLst>
       <p:ext uri="{BB962C8B-B14F-4D97-AF65-F5344CB8AC3E}">
-        <p14:creationId xmlns:p14="http://schemas.microsoft.com/office/powerpoint/2010/main" val="926474853"/>
+        <p14:creationId xmlns:p14="http://schemas.microsoft.com/office/powerpoint/2010/main" val="1618691434"/>
       </p:ext>
     </p:extLst>
   </p:cSld>
@@ -5484,6 +5270,190 @@
 </file>
 
 <file path=ppt/slides/slide7.xml><?xml version="1.0" encoding="utf-8"?>
+<p:sld xmlns:a="http://schemas.openxmlformats.org/drawingml/2006/main" xmlns:r="http://schemas.openxmlformats.org/officeDocument/2006/relationships" xmlns:p="http://schemas.openxmlformats.org/presentationml/2006/main">
+  <p:cSld>
+    <p:spTree>
+      <p:nvGrpSpPr>
+        <p:cNvPr id="1" name=""/>
+        <p:cNvGrpSpPr/>
+        <p:nvPr/>
+      </p:nvGrpSpPr>
+      <p:grpSpPr>
+        <a:xfrm>
+          <a:off x="0" y="0"/>
+          <a:ext cx="0" cy="0"/>
+          <a:chOff x="0" y="0"/>
+          <a:chExt cx="0" cy="0"/>
+        </a:xfrm>
+      </p:grpSpPr>
+      <p:sp>
+        <p:nvSpPr>
+          <p:cNvPr id="3" name="TextBox 2">
+            <a:extLst>
+              <a:ext uri="{FF2B5EF4-FFF2-40B4-BE49-F238E27FC236}">
+                <a16:creationId xmlns:a16="http://schemas.microsoft.com/office/drawing/2014/main" id="{DB9729D5-E30B-2A00-C15A-CED232371C94}"/>
+              </a:ext>
+            </a:extLst>
+          </p:cNvPr>
+          <p:cNvSpPr txBox="1"/>
+          <p:nvPr/>
+        </p:nvSpPr>
+        <p:spPr>
+          <a:xfrm>
+            <a:off x="235359" y="185509"/>
+            <a:ext cx="8915683" cy="8248412"/>
+          </a:xfrm>
+          <a:prstGeom prst="rect">
+            <a:avLst/>
+          </a:prstGeom>
+          <a:noFill/>
+        </p:spPr>
+        <p:txBody>
+          <a:bodyPr wrap="square" lIns="91440" tIns="45720" rIns="91440" bIns="45720" anchor="t">
+            <a:spAutoFit/>
+          </a:bodyPr>
+          <a:lstStyle/>
+          <a:p>
+            <a:r>
+              <a:rPr lang="en-US" sz="2800" b="1" dirty="0">
+                <a:cs typeface="Calibri"/>
+              </a:rPr>
+              <a:t>CAD  FOR TRAFFIC MANAGEMENT</a:t>
+            </a:r>
+          </a:p>
+          <a:p>
+            <a:r>
+              <a:rPr lang="en-US" sz="2400" b="1" dirty="0">
+                <a:latin typeface="Arial"/>
+                <a:ea typeface="+mn-lt"/>
+                <a:cs typeface="+mn-lt"/>
+              </a:rPr>
+              <a:t>Computer-Aided Design (CAD):</a:t>
+            </a:r>
+            <a:r>
+              <a:rPr lang="en-US" sz="2400" dirty="0">
+                <a:solidFill>
+                  <a:srgbClr val="374151"/>
+                </a:solidFill>
+                <a:latin typeface="Arial"/>
+                <a:ea typeface="+mn-lt"/>
+                <a:cs typeface="+mn-lt"/>
+              </a:rPr>
+              <a:t> </a:t>
+            </a:r>
+            <a:r>
+              <a:rPr lang="en-US" sz="2400" dirty="0">
+                <a:latin typeface="Arial"/>
+                <a:ea typeface="+mn-lt"/>
+                <a:cs typeface="+mn-lt"/>
+              </a:rPr>
+              <a:t>CAD software is often used in the planning and design phase of traffic management projects. Engineers and urban planners use CAD software to create detailed, accurate, and precise drawings, maps, and plans for road infrastructure, traffic signals, and other elements of transportation systems. CAD tools help design traffic flow, parking facilities, and road layouts to optimize traffic management.</a:t>
+            </a:r>
+            <a:endParaRPr lang="en-US" sz="2400">
+              <a:latin typeface="Arial"/>
+              <a:cs typeface="Arial"/>
+            </a:endParaRPr>
+          </a:p>
+          <a:p>
+            <a:r>
+              <a:rPr lang="en-US" sz="2400" b="1" dirty="0">
+                <a:latin typeface="Arial"/>
+                <a:ea typeface="+mn-lt"/>
+                <a:cs typeface="+mn-lt"/>
+              </a:rPr>
+              <a:t>Computer-Aided Dispatch (CAD):</a:t>
+            </a:r>
+            <a:r>
+              <a:rPr lang="en-US" sz="2400" dirty="0">
+                <a:solidFill>
+                  <a:srgbClr val="374151"/>
+                </a:solidFill>
+                <a:latin typeface="Arial"/>
+                <a:ea typeface="+mn-lt"/>
+                <a:cs typeface="+mn-lt"/>
+              </a:rPr>
+              <a:t> </a:t>
+            </a:r>
+            <a:r>
+              <a:rPr lang="en-US" sz="2400" dirty="0">
+                <a:latin typeface="Arial"/>
+                <a:ea typeface="+mn-lt"/>
+                <a:cs typeface="+mn-lt"/>
+              </a:rPr>
+              <a:t>CAD, in this context, refers to Computer-Aided Dispatch systems, which are used by public safety and emergency services, including traffic management. These systems help dispatchers manage and coordinate emergency responses, including those related to traffic incidents such as accidents, road closures, and traffic congestion. CAD systems enable dispatchers to allocate resources efficiently and ensure a rapid response to incidents, thereby contributing to traffic management.</a:t>
+            </a:r>
+            <a:endParaRPr lang="en-US" sz="2400">
+              <a:latin typeface="Arial"/>
+              <a:cs typeface="Arial"/>
+            </a:endParaRPr>
+          </a:p>
+          <a:p>
+            <a:br>
+              <a:rPr lang="en-US" dirty="0"/>
+            </a:br>
+            <a:endParaRPr lang="en-US" sz="2400">
+              <a:cs typeface="Calibri"/>
+            </a:endParaRPr>
+          </a:p>
+          <a:p>
+            <a:endParaRPr lang="en-US" sz="2400" dirty="0">
+              <a:solidFill>
+                <a:srgbClr val="374151"/>
+              </a:solidFill>
+              <a:latin typeface="Arial"/>
+              <a:cs typeface="Calibri"/>
+            </a:endParaRPr>
+          </a:p>
+          <a:p>
+            <a:endParaRPr lang="en-US" sz="2800" b="1" dirty="0">
+              <a:solidFill>
+                <a:srgbClr val="000000"/>
+              </a:solidFill>
+              <a:latin typeface="Calibri"/>
+              <a:cs typeface="Calibri"/>
+            </a:endParaRPr>
+          </a:p>
+        </p:txBody>
+      </p:sp>
+      <p:sp>
+        <p:nvSpPr>
+          <p:cNvPr id="5" name="Rectangle 4"/>
+          <p:cNvSpPr/>
+          <p:nvPr/>
+        </p:nvSpPr>
+        <p:spPr>
+          <a:xfrm>
+            <a:off x="656674" y="887325"/>
+            <a:ext cx="8503921" cy="369332"/>
+          </a:xfrm>
+          <a:prstGeom prst="rect">
+            <a:avLst/>
+          </a:prstGeom>
+        </p:spPr>
+        <p:txBody>
+          <a:bodyPr wrap="square" lIns="91440" tIns="45720" rIns="91440" bIns="45720" anchor="t">
+            <a:spAutoFit/>
+          </a:bodyPr>
+          <a:lstStyle/>
+          <a:p>
+            <a:endParaRPr lang="en-US" dirty="0"/>
+          </a:p>
+        </p:txBody>
+      </p:sp>
+    </p:spTree>
+    <p:extLst>
+      <p:ext uri="{BB962C8B-B14F-4D97-AF65-F5344CB8AC3E}">
+        <p14:creationId xmlns:p14="http://schemas.microsoft.com/office/powerpoint/2010/main" val="1373782329"/>
+      </p:ext>
+    </p:extLst>
+  </p:cSld>
+  <p:clrMapOvr>
+    <a:masterClrMapping/>
+  </p:clrMapOvr>
+</p:sld>
+</file>
+
+<file path=ppt/slides/slide8.xml><?xml version="1.0" encoding="utf-8"?>
 <p:sld xmlns:a="http://schemas.openxmlformats.org/drawingml/2006/main" xmlns:r="http://schemas.openxmlformats.org/officeDocument/2006/relationships" xmlns:p="http://schemas.openxmlformats.org/presentationml/2006/main">
   <p:cSld>
     <p:spTree>
@@ -5583,111 +5553,6 @@
 </p:sld>
 </file>
 
-<file path=ppt/slides/slide8.xml><?xml version="1.0" encoding="utf-8"?>
-<p:sld xmlns:a="http://schemas.openxmlformats.org/drawingml/2006/main" xmlns:r="http://schemas.openxmlformats.org/officeDocument/2006/relationships" xmlns:p="http://schemas.openxmlformats.org/presentationml/2006/main">
-  <p:cSld>
-    <p:spTree>
-      <p:nvGrpSpPr>
-        <p:cNvPr id="1" name=""/>
-        <p:cNvGrpSpPr/>
-        <p:nvPr/>
-      </p:nvGrpSpPr>
-      <p:grpSpPr>
-        <a:xfrm>
-          <a:off x="0" y="0"/>
-          <a:ext cx="0" cy="0"/>
-          <a:chOff x="0" y="0"/>
-          <a:chExt cx="0" cy="0"/>
-        </a:xfrm>
-      </p:grpSpPr>
-      <p:sp>
-        <p:nvSpPr>
-          <p:cNvPr id="2" name="Title 1">
-            <a:extLst>
-              <a:ext uri="{FF2B5EF4-FFF2-40B4-BE49-F238E27FC236}">
-                <a16:creationId xmlns:a16="http://schemas.microsoft.com/office/drawing/2014/main" id="{277312E4-DD00-11B4-A83E-51FFA3AC3209}"/>
-              </a:ext>
-            </a:extLst>
-          </p:cNvPr>
-          <p:cNvSpPr>
-            <a:spLocks noGrp="1"/>
-          </p:cNvSpPr>
-          <p:nvPr>
-            <p:ph type="ctrTitle"/>
-          </p:nvPr>
-        </p:nvSpPr>
-        <p:spPr>
-          <a:xfrm>
-            <a:off x="391885" y="82777"/>
-            <a:ext cx="9144000" cy="896937"/>
-          </a:xfrm>
-        </p:spPr>
-        <p:txBody>
-          <a:bodyPr>
-            <a:normAutofit/>
-          </a:bodyPr>
-          <a:lstStyle/>
-          <a:p>
-            <a:pPr algn="l"/>
-            <a:r>
-              <a:rPr lang="en-IN" sz="2400" b="1" dirty="0">
-                <a:latin typeface="Bell MT" panose="02020503060305020303" pitchFamily="18" charset="0"/>
-              </a:rPr>
-              <a:t>CONCLUSION</a:t>
-            </a:r>
-          </a:p>
-        </p:txBody>
-      </p:sp>
-      <p:sp>
-        <p:nvSpPr>
-          <p:cNvPr id="3" name="Subtitle 2">
-            <a:extLst>
-              <a:ext uri="{FF2B5EF4-FFF2-40B4-BE49-F238E27FC236}">
-                <a16:creationId xmlns:a16="http://schemas.microsoft.com/office/drawing/2014/main" id="{E3697CA1-F078-3C69-56E0-88D102E2842A}"/>
-              </a:ext>
-            </a:extLst>
-          </p:cNvPr>
-          <p:cNvSpPr>
-            <a:spLocks noGrp="1"/>
-          </p:cNvSpPr>
-          <p:nvPr>
-            <p:ph type="subTitle" idx="1"/>
-          </p:nvPr>
-        </p:nvSpPr>
-        <p:spPr>
-          <a:xfrm>
-            <a:off x="966811" y="1203649"/>
-            <a:ext cx="9682843" cy="6724261"/>
-          </a:xfrm>
-        </p:spPr>
-        <p:txBody>
-          <a:bodyPr>
-            <a:noAutofit/>
-          </a:bodyPr>
-          <a:lstStyle/>
-          <a:p>
-            <a:pPr algn="just"/>
-            <a:r>
-              <a:rPr lang="en-US" sz="2800" dirty="0"/>
-              <a:t>In conclusion, a well-implemented traffic management system is essential for enhancing road safety, reducing congestion, and improving overall transportation efficiency. Through the use of advanced technology, data analytics, and smart infrastructure, such systems have the potential to transform urban mobility and make our roads safer and more accessible for everyone. However, their success depends on continuous investment, maintenance, and adaptation to the evolving needs of our cities and transportation networks. With a commitment to innovation and collaboration between government authorities, technology providers, and the public, we can create a more sustainable and efficient future for urban transportation.</a:t>
-            </a:r>
-            <a:endParaRPr lang="en-IN" sz="2800" dirty="0"/>
-          </a:p>
-        </p:txBody>
-      </p:sp>
-    </p:spTree>
-    <p:extLst>
-      <p:ext uri="{BB962C8B-B14F-4D97-AF65-F5344CB8AC3E}">
-        <p14:creationId xmlns:p14="http://schemas.microsoft.com/office/powerpoint/2010/main" val="1299278785"/>
-      </p:ext>
-    </p:extLst>
-  </p:cSld>
-  <p:clrMapOvr>
-    <a:masterClrMapping/>
-  </p:clrMapOvr>
-</p:sld>
-</file>
-
 <file path=ppt/slides/slide9.xml><?xml version="1.0" encoding="utf-8"?>
 <p:sld xmlns:a="http://schemas.openxmlformats.org/drawingml/2006/main" xmlns:r="http://schemas.openxmlformats.org/officeDocument/2006/relationships" xmlns:p="http://schemas.openxmlformats.org/presentationml/2006/main">
   <p:cSld>
@@ -5707,18 +5572,24 @@
       </p:grpSpPr>
       <p:sp>
         <p:nvSpPr>
-          <p:cNvPr id="3" name="Content Placeholder 2"/>
-          <p:cNvSpPr>
-            <a:spLocks noGrp="1"/>
-          </p:cNvSpPr>
-          <p:nvPr>
-            <p:ph idx="1"/>
+          <p:cNvPr id="2" name="Title 1">
+            <a:extLst>
+              <a:ext uri="{FF2B5EF4-FFF2-40B4-BE49-F238E27FC236}">
+                <a16:creationId xmlns:a16="http://schemas.microsoft.com/office/drawing/2014/main" id="{277312E4-DD00-11B4-A83E-51FFA3AC3209}"/>
+              </a:ext>
+            </a:extLst>
+          </p:cNvPr>
+          <p:cNvSpPr>
+            <a:spLocks noGrp="1"/>
+          </p:cNvSpPr>
+          <p:nvPr>
+            <p:ph type="ctrTitle"/>
           </p:nvPr>
         </p:nvSpPr>
         <p:spPr>
           <a:xfrm>
-            <a:off x="3711039" y="2770910"/>
-            <a:ext cx="7642759" cy="3406052"/>
+            <a:off x="391885" y="82777"/>
+            <a:ext cx="9144000" cy="896937"/>
           </a:xfrm>
         </p:spPr>
         <p:txBody>
@@ -5727,26 +5598,59 @@
           </a:bodyPr>
           <a:lstStyle/>
           <a:p>
-            <a:pPr>
-              <a:buNone/>
-            </a:pPr>
-            <a:r>
-              <a:rPr lang="en-US" sz="5400" b="1">
-                <a:latin typeface="ADLaM Display" panose="02010000000000000000" pitchFamily="2" charset="0"/>
-                <a:ea typeface="ADLaM Display" panose="02010000000000000000" pitchFamily="2" charset="0"/>
-                <a:cs typeface="ADLaM Display" panose="02010000000000000000" pitchFamily="2" charset="0"/>
-              </a:rPr>
-              <a:t>THANK YOU!</a:t>
-            </a:r>
-            <a:endParaRPr lang="en-US" sz="5400" b="1" dirty="0">
-              <a:latin typeface="ADLaM Display" panose="02010000000000000000" pitchFamily="2" charset="0"/>
-              <a:ea typeface="ADLaM Display" panose="02010000000000000000" pitchFamily="2" charset="0"/>
-              <a:cs typeface="ADLaM Display" panose="02010000000000000000" pitchFamily="2" charset="0"/>
-            </a:endParaRPr>
+            <a:pPr algn="l"/>
+            <a:r>
+              <a:rPr lang="en-IN" sz="2400" b="1" dirty="0">
+                <a:latin typeface="Bell MT" panose="02020503060305020303" pitchFamily="18" charset="0"/>
+              </a:rPr>
+              <a:t>CONCLUSION</a:t>
+            </a:r>
+          </a:p>
+        </p:txBody>
+      </p:sp>
+      <p:sp>
+        <p:nvSpPr>
+          <p:cNvPr id="3" name="Subtitle 2">
+            <a:extLst>
+              <a:ext uri="{FF2B5EF4-FFF2-40B4-BE49-F238E27FC236}">
+                <a16:creationId xmlns:a16="http://schemas.microsoft.com/office/drawing/2014/main" id="{E3697CA1-F078-3C69-56E0-88D102E2842A}"/>
+              </a:ext>
+            </a:extLst>
+          </p:cNvPr>
+          <p:cNvSpPr>
+            <a:spLocks noGrp="1"/>
+          </p:cNvSpPr>
+          <p:nvPr>
+            <p:ph type="subTitle" idx="1"/>
+          </p:nvPr>
+        </p:nvSpPr>
+        <p:spPr>
+          <a:xfrm>
+            <a:off x="966811" y="1203649"/>
+            <a:ext cx="9682843" cy="6724261"/>
+          </a:xfrm>
+        </p:spPr>
+        <p:txBody>
+          <a:bodyPr>
+            <a:noAutofit/>
+          </a:bodyPr>
+          <a:lstStyle/>
+          <a:p>
+            <a:pPr algn="just"/>
+            <a:r>
+              <a:rPr lang="en-US" sz="2800" dirty="0"/>
+              <a:t>In conclusion, a well-implemented traffic management system is essential for enhancing road safety, reducing congestion, and improving overall transportation efficiency. Through the use of advanced technology, data analytics, and smart infrastructure, such systems have the potential to transform urban mobility and make our roads safer and more accessible for everyone. However, their success depends on continuous investment, maintenance, and adaptation to the evolving needs of our cities and transportation networks. With a commitment to innovation and collaboration between government authorities, technology providers, and the public, we can create a more sustainable and efficient future for urban transportation.</a:t>
+            </a:r>
+            <a:endParaRPr lang="en-IN" sz="2800" dirty="0"/>
           </a:p>
         </p:txBody>
       </p:sp>
     </p:spTree>
+    <p:extLst>
+      <p:ext uri="{BB962C8B-B14F-4D97-AF65-F5344CB8AC3E}">
+        <p14:creationId xmlns:p14="http://schemas.microsoft.com/office/powerpoint/2010/main" val="1299278785"/>
+      </p:ext>
+    </p:extLst>
   </p:cSld>
   <p:clrMapOvr>
     <a:masterClrMapping/>
